--- a/Others/Venture Capital Analyst/Jeddt Portfolio.pptx
+++ b/Others/Venture Capital Analyst/Jeddt Portfolio.pptx
@@ -30,11 +30,11 @@
   <p:notesSz cx="6858000" cy="9144000"/>
   <p:embeddedFontLst>
     <p:embeddedFont>
-      <p:font typeface="Public Sans Bold" panose="020B0604020202020204" charset="0"/>
+      <p:font typeface="Public Sans" panose="020B0604020202020204" charset="0"/>
       <p:regular r:id="rId20"/>
     </p:embeddedFont>
     <p:embeddedFont>
-      <p:font typeface="Public Sans" panose="020B0604020202020204" charset="0"/>
+      <p:font typeface="Public Sans Bold" panose="020B0604020202020204" charset="0"/>
       <p:regular r:id="rId21"/>
     </p:embeddedFont>
     <p:embeddedFont>
@@ -4240,7 +4240,7 @@
           <a:p>
             <a:fld id="{156B24DE-CB2F-42D3-B052-D38CD45EEDC1}" type="datetimeFigureOut">
               <a:rPr lang="en-ZA" smtClean="0"/>
-              <a:t>2024/01/16</a:t>
+              <a:t>2024/01/27</a:t>
             </a:fld>
             <a:endParaRPr lang="en-ZA"/>
           </a:p>
@@ -4690,7 +4690,7 @@
             <a:fld id="{1D8BD707-D9CF-40AE-B4C6-C98DA3205C09}" type="datetimeFigureOut">
               <a:rPr lang="en-US" smtClean="0"/>
               <a:pPr/>
-              <a:t>1/16/2024</a:t>
+              <a:t>1/27/2024</a:t>
             </a:fld>
             <a:endParaRPr lang="en-US"/>
           </a:p>
@@ -4857,7 +4857,7 @@
             <a:fld id="{1D8BD707-D9CF-40AE-B4C6-C98DA3205C09}" type="datetimeFigureOut">
               <a:rPr lang="en-US" smtClean="0"/>
               <a:pPr/>
-              <a:t>1/16/2024</a:t>
+              <a:t>1/27/2024</a:t>
             </a:fld>
             <a:endParaRPr lang="en-US"/>
           </a:p>
@@ -5034,7 +5034,7 @@
             <a:fld id="{1D8BD707-D9CF-40AE-B4C6-C98DA3205C09}" type="datetimeFigureOut">
               <a:rPr lang="en-US" smtClean="0"/>
               <a:pPr/>
-              <a:t>1/16/2024</a:t>
+              <a:t>1/27/2024</a:t>
             </a:fld>
             <a:endParaRPr lang="en-US"/>
           </a:p>
@@ -5201,7 +5201,7 @@
             <a:fld id="{1D8BD707-D9CF-40AE-B4C6-C98DA3205C09}" type="datetimeFigureOut">
               <a:rPr lang="en-US" smtClean="0"/>
               <a:pPr/>
-              <a:t>1/16/2024</a:t>
+              <a:t>1/27/2024</a:t>
             </a:fld>
             <a:endParaRPr lang="en-US"/>
           </a:p>
@@ -5444,7 +5444,7 @@
             <a:fld id="{1D8BD707-D9CF-40AE-B4C6-C98DA3205C09}" type="datetimeFigureOut">
               <a:rPr lang="en-US" smtClean="0"/>
               <a:pPr/>
-              <a:t>1/16/2024</a:t>
+              <a:t>1/27/2024</a:t>
             </a:fld>
             <a:endParaRPr lang="en-US"/>
           </a:p>
@@ -5729,7 +5729,7 @@
             <a:fld id="{1D8BD707-D9CF-40AE-B4C6-C98DA3205C09}" type="datetimeFigureOut">
               <a:rPr lang="en-US" smtClean="0"/>
               <a:pPr/>
-              <a:t>1/16/2024</a:t>
+              <a:t>1/27/2024</a:t>
             </a:fld>
             <a:endParaRPr lang="en-US"/>
           </a:p>
@@ -6148,7 +6148,7 @@
             <a:fld id="{1D8BD707-D9CF-40AE-B4C6-C98DA3205C09}" type="datetimeFigureOut">
               <a:rPr lang="en-US" smtClean="0"/>
               <a:pPr/>
-              <a:t>1/16/2024</a:t>
+              <a:t>1/27/2024</a:t>
             </a:fld>
             <a:endParaRPr lang="en-US"/>
           </a:p>
@@ -6263,7 +6263,7 @@
             <a:fld id="{1D8BD707-D9CF-40AE-B4C6-C98DA3205C09}" type="datetimeFigureOut">
               <a:rPr lang="en-US" smtClean="0"/>
               <a:pPr/>
-              <a:t>1/16/2024</a:t>
+              <a:t>1/27/2024</a:t>
             </a:fld>
             <a:endParaRPr lang="en-US"/>
           </a:p>
@@ -6355,7 +6355,7 @@
             <a:fld id="{1D8BD707-D9CF-40AE-B4C6-C98DA3205C09}" type="datetimeFigureOut">
               <a:rPr lang="en-US" smtClean="0"/>
               <a:pPr/>
-              <a:t>1/16/2024</a:t>
+              <a:t>1/27/2024</a:t>
             </a:fld>
             <a:endParaRPr lang="en-US"/>
           </a:p>
@@ -6629,7 +6629,7 @@
             <a:fld id="{1D8BD707-D9CF-40AE-B4C6-C98DA3205C09}" type="datetimeFigureOut">
               <a:rPr lang="en-US" smtClean="0"/>
               <a:pPr/>
-              <a:t>1/16/2024</a:t>
+              <a:t>1/27/2024</a:t>
             </a:fld>
             <a:endParaRPr lang="en-US"/>
           </a:p>
@@ -6879,7 +6879,7 @@
             <a:fld id="{1D8BD707-D9CF-40AE-B4C6-C98DA3205C09}" type="datetimeFigureOut">
               <a:rPr lang="en-US" smtClean="0"/>
               <a:pPr/>
-              <a:t>1/16/2024</a:t>
+              <a:t>1/27/2024</a:t>
             </a:fld>
             <a:endParaRPr lang="en-US"/>
           </a:p>
@@ -7089,7 +7089,7 @@
             <a:fld id="{1D8BD707-D9CF-40AE-B4C6-C98DA3205C09}" type="datetimeFigureOut">
               <a:rPr lang="en-US" smtClean="0"/>
               <a:pPr/>
-              <a:t>1/16/2024</a:t>
+              <a:t>1/27/2024</a:t>
             </a:fld>
             <a:endParaRPr lang="en-US"/>
           </a:p>
@@ -7514,8 +7514,23 @@
                 </a:solidFill>
                 <a:latin typeface="Public Sans Bold"/>
               </a:rPr>
-              <a:t>Venture Capital Porto Folio</a:t>
-            </a:r>
+              <a:t>Venture Capital </a:t>
+            </a:r>
+            <a:r>
+              <a:rPr lang="en-US" sz="4800" spc="-248" dirty="0" err="1" smtClean="0">
+                <a:solidFill>
+                  <a:srgbClr val="000000"/>
+                </a:solidFill>
+                <a:latin typeface="Public Sans Bold"/>
+              </a:rPr>
+              <a:t>PortFolio</a:t>
+            </a:r>
+            <a:endParaRPr lang="en-US" sz="4800" spc="-248" dirty="0">
+              <a:solidFill>
+                <a:srgbClr val="000000"/>
+              </a:solidFill>
+              <a:latin typeface="Public Sans Bold"/>
+            </a:endParaRPr>
           </a:p>
         </p:txBody>
       </p:sp>
@@ -8112,16 +8127,7 @@
                 </a:solidFill>
                 <a:latin typeface="Public Sans Bold"/>
               </a:rPr>
-              <a:t>Case Study: </a:t>
-            </a:r>
-            <a:r>
-              <a:rPr lang="en-US" sz="4000" spc="-200" dirty="0" smtClean="0">
-                <a:solidFill>
-                  <a:srgbClr val="000000"/>
-                </a:solidFill>
-                <a:latin typeface="Public Sans Bold"/>
-              </a:rPr>
-              <a:t>Graphite Docs Failure</a:t>
+              <a:t>Case Study: Graphite Docs Failure</a:t>
             </a:r>
             <a:endParaRPr lang="en-US" sz="4000" spc="-200" dirty="0">
               <a:solidFill>
@@ -8435,16 +8441,7 @@
                 </a:solidFill>
                 <a:latin typeface="Public Sans Bold"/>
               </a:rPr>
-              <a:t>Case Study: </a:t>
-            </a:r>
-            <a:r>
-              <a:rPr lang="en-US" sz="4000" spc="-200" dirty="0" smtClean="0">
-                <a:solidFill>
-                  <a:srgbClr val="000000"/>
-                </a:solidFill>
-                <a:latin typeface="Public Sans Bold"/>
-              </a:rPr>
-              <a:t>Graphite Docs Failure</a:t>
+              <a:t>Case Study: Graphite Docs Failure</a:t>
             </a:r>
           </a:p>
         </p:txBody>
@@ -8671,16 +8668,7 @@
                 </a:solidFill>
                 <a:latin typeface="Public Sans Bold"/>
               </a:rPr>
-              <a:t>Case Study: </a:t>
-            </a:r>
-            <a:r>
-              <a:rPr lang="en-US" sz="4000" spc="-200" dirty="0" smtClean="0">
-                <a:solidFill>
-                  <a:srgbClr val="000000"/>
-                </a:solidFill>
-                <a:latin typeface="Public Sans Bold"/>
-              </a:rPr>
-              <a:t>Graphite Docs Failure</a:t>
+              <a:t>Case Study: Graphite Docs Failure</a:t>
             </a:r>
           </a:p>
         </p:txBody>
@@ -10600,7 +10588,7 @@
             <a:blip r:embed="rId2">
               <a:extLst>
                 <a:ext uri="{96DAC541-7B7A-43D3-8B79-37D633B846F1}">
-                  <asvg:svgBlip xmlns="" xmlns:asvg="http://schemas.microsoft.com/office/drawing/2016/SVG/main" r:embed="rId5"/>
+                  <asvg:svgBlip xmlns:asvg="http://schemas.microsoft.com/office/drawing/2016/SVG/main" xmlns="" r:embed="rId5"/>
                 </a:ext>
               </a:extLst>
             </a:blip>
